--- a/Linear Algebra(李宏毅,2018,Fall)/6 Having Solution or Not.pptx
+++ b/Linear Algebra(李宏毅,2018,Fall)/6 Having Solution or Not.pptx
@@ -221,7 +221,7 @@
           <a:p>
             <a:fld id="{4F629F37-24D0-417A-B5DF-E46E68EECCEF}" type="datetimeFigureOut">
               <a:rPr lang="zh-TW" altLang="en-US" smtClean="0"/>
-              <a:t>2018/9/14</a:t>
+              <a:t>2019/7/15</a:t>
             </a:fld>
             <a:endParaRPr lang="zh-TW" altLang="en-US"/>
           </a:p>
@@ -507,6 +507,122 @@
       </p:grpSpPr>
       <p:sp>
         <p:nvSpPr>
+          <p:cNvPr id="2" name="幻灯片图像占位符 1"/>
+          <p:cNvSpPr>
+            <a:spLocks noGrp="1" noRot="1" noChangeAspect="1"/>
+          </p:cNvSpPr>
+          <p:nvPr>
+            <p:ph type="sldImg"/>
+          </p:nvPr>
+        </p:nvSpPr>
+        <p:spPr/>
+      </p:sp>
+      <p:sp>
+        <p:nvSpPr>
+          <p:cNvPr id="3" name="备注占位符 2"/>
+          <p:cNvSpPr>
+            <a:spLocks noGrp="1"/>
+          </p:cNvSpPr>
+          <p:nvPr>
+            <p:ph type="body" idx="1"/>
+          </p:nvPr>
+        </p:nvSpPr>
+        <p:spPr/>
+        <p:txBody>
+          <a:bodyPr/>
+          <a:lstStyle/>
+          <a:p>
+            <a:pPr marL="0" marR="0" lvl="0" indent="0" algn="l" defTabSz="914400" rtl="0" eaLnBrk="1" fontAlgn="auto" latinLnBrk="0" hangingPunct="1">
+              <a:lnSpc>
+                <a:spcPct val="100000"/>
+              </a:lnSpc>
+              <a:spcBef>
+                <a:spcPts val="0"/>
+              </a:spcBef>
+              <a:spcAft>
+                <a:spcPts val="0"/>
+              </a:spcAft>
+              <a:buClrTx/>
+              <a:buSzTx/>
+              <a:buFontTx/>
+              <a:buNone/>
+              <a:tabLst/>
+              <a:defRPr/>
+            </a:pPr>
+            <a:r>
+              <a:rPr lang="en-US" altLang="zh-CN" dirty="0"/>
+              <a:t>inverse problem</a:t>
+            </a:r>
+            <a:r>
+              <a:rPr lang="zh-CN" altLang="en-US"/>
+              <a:t>：知道</a:t>
+            </a:r>
+            <a:r>
+              <a:rPr lang="zh-CN" altLang="en-US" dirty="0"/>
+              <a:t>输入和输出，求</a:t>
+            </a:r>
+            <a:r>
+              <a:rPr lang="en-US" altLang="zh-CN" dirty="0"/>
+              <a:t>function</a:t>
+            </a:r>
+          </a:p>
+        </p:txBody>
+      </p:sp>
+      <p:sp>
+        <p:nvSpPr>
+          <p:cNvPr id="4" name="灯片编号占位符 3"/>
+          <p:cNvSpPr>
+            <a:spLocks noGrp="1"/>
+          </p:cNvSpPr>
+          <p:nvPr>
+            <p:ph type="sldNum" sz="quarter" idx="5"/>
+          </p:nvPr>
+        </p:nvSpPr>
+        <p:spPr/>
+        <p:txBody>
+          <a:bodyPr/>
+          <a:lstStyle/>
+          <a:p>
+            <a:fld id="{FB7D3D4E-D740-4383-8A3D-1ECF51F5058F}" type="slidenum">
+              <a:rPr lang="zh-TW" altLang="en-US" smtClean="0"/>
+              <a:t>2</a:t>
+            </a:fld>
+            <a:endParaRPr lang="zh-TW" altLang="en-US"/>
+          </a:p>
+        </p:txBody>
+      </p:sp>
+    </p:spTree>
+    <p:extLst>
+      <p:ext uri="{BB962C8B-B14F-4D97-AF65-F5344CB8AC3E}">
+        <p14:creationId xmlns:p14="http://schemas.microsoft.com/office/powerpoint/2010/main" val="100333115"/>
+      </p:ext>
+    </p:extLst>
+  </p:cSld>
+  <p:clrMapOvr>
+    <a:masterClrMapping/>
+  </p:clrMapOvr>
+</p:notes>
+</file>
+
+<file path=ppt/notesSlides/notesSlide10.xml><?xml version="1.0" encoding="utf-8"?>
+<p:notes xmlns:a="http://schemas.openxmlformats.org/drawingml/2006/main" xmlns:r="http://schemas.openxmlformats.org/officeDocument/2006/relationships" xmlns:p="http://schemas.openxmlformats.org/presentationml/2006/main">
+  <p:cSld>
+    <p:spTree>
+      <p:nvGrpSpPr>
+        <p:cNvPr id="1" name=""/>
+        <p:cNvGrpSpPr/>
+        <p:nvPr/>
+      </p:nvGrpSpPr>
+      <p:grpSpPr>
+        <a:xfrm>
+          <a:off x="0" y="0"/>
+          <a:ext cx="0" cy="0"/>
+          <a:chOff x="0" y="0"/>
+          <a:chExt cx="0" cy="0"/>
+        </a:xfrm>
+      </p:grpSpPr>
+      <p:sp>
+        <p:nvSpPr>
           <p:cNvPr id="2" name="投影片圖像版面配置區 1"/>
           <p:cNvSpPr>
             <a:spLocks noGrp="1" noRot="1" noChangeAspect="1"/>
@@ -532,10 +648,30 @@
           <a:bodyPr/>
           <a:lstStyle/>
           <a:p>
+            <a:pPr marL="0" marR="0" indent="0" algn="l" defTabSz="914400" rtl="0" eaLnBrk="1" fontAlgn="auto" latinLnBrk="0" hangingPunct="1">
+              <a:lnSpc>
+                <a:spcPct val="100000"/>
+              </a:lnSpc>
+              <a:spcBef>
+                <a:spcPts val="0"/>
+              </a:spcBef>
+              <a:spcAft>
+                <a:spcPts val="0"/>
+              </a:spcAft>
+              <a:buClrTx/>
+              <a:buSzTx/>
+              <a:buFontTx/>
+              <a:buNone/>
+              <a:tabLst/>
+              <a:defRPr/>
+            </a:pPr>
             <a:r>
               <a:rPr lang="en-US" altLang="zh-TW" dirty="0"/>
-              <a:t>[2 8]</a:t>
+              <a:t>Infinite many solutions</a:t>
             </a:r>
+            <a:endParaRPr lang="zh-TW" altLang="en-US" dirty="0"/>
+          </a:p>
+          <a:p>
             <a:endParaRPr lang="zh-TW" altLang="en-US" dirty="0"/>
           </a:p>
         </p:txBody>
@@ -555,9 +691,9 @@
           <a:bodyPr/>
           <a:lstStyle/>
           <a:p>
-            <a:fld id="{31EB6D90-10E6-4D93-BC0D-4D3BFEAA5F7B}" type="slidenum">
+            <a:fld id="{FB7D3D4E-D740-4383-8A3D-1ECF51F5058F}" type="slidenum">
               <a:rPr lang="zh-TW" altLang="en-US" smtClean="0"/>
-              <a:t>7</a:t>
+              <a:t>16</a:t>
             </a:fld>
             <a:endParaRPr lang="zh-TW" altLang="en-US"/>
           </a:p>
@@ -566,7 +702,7 @@
     </p:spTree>
     <p:extLst>
       <p:ext uri="{BB962C8B-B14F-4D97-AF65-F5344CB8AC3E}">
-        <p14:creationId xmlns:p14="http://schemas.microsoft.com/office/powerpoint/2010/main" val="844535495"/>
+        <p14:creationId xmlns:p14="http://schemas.microsoft.com/office/powerpoint/2010/main" val="2450026117"/>
       </p:ext>
     </p:extLst>
   </p:cSld>
@@ -576,7 +712,7 @@
 </p:notes>
 </file>
 
-<file path=ppt/notesSlides/notesSlide10.xml><?xml version="1.0" encoding="utf-8"?>
+<file path=ppt/notesSlides/notesSlide11.xml><?xml version="1.0" encoding="utf-8"?>
 <p:notes xmlns:a="http://schemas.openxmlformats.org/drawingml/2006/main" xmlns:r="http://schemas.openxmlformats.org/officeDocument/2006/relationships" xmlns:p="http://schemas.openxmlformats.org/presentationml/2006/main">
   <p:cSld>
     <p:spTree>
@@ -786,7 +922,7 @@
 </p:notes>
 </file>
 
-<file path=ppt/notesSlides/notesSlide11.xml><?xml version="1.0" encoding="utf-8"?>
+<file path=ppt/notesSlides/notesSlide12.xml><?xml version="1.0" encoding="utf-8"?>
 <p:notes xmlns:a="http://schemas.openxmlformats.org/drawingml/2006/main" xmlns:r="http://schemas.openxmlformats.org/officeDocument/2006/relationships" xmlns:p="http://schemas.openxmlformats.org/presentationml/2006/main">
   <p:cSld>
     <p:spTree>
@@ -939,6 +1075,94 @@
           <a:p>
             <a:fld id="{31EB6D90-10E6-4D93-BC0D-4D3BFEAA5F7B}" type="slidenum">
               <a:rPr lang="zh-TW" altLang="en-US" smtClean="0"/>
+              <a:t>7</a:t>
+            </a:fld>
+            <a:endParaRPr lang="zh-TW" altLang="en-US"/>
+          </a:p>
+        </p:txBody>
+      </p:sp>
+    </p:spTree>
+    <p:extLst>
+      <p:ext uri="{BB962C8B-B14F-4D97-AF65-F5344CB8AC3E}">
+        <p14:creationId xmlns:p14="http://schemas.microsoft.com/office/powerpoint/2010/main" val="844535495"/>
+      </p:ext>
+    </p:extLst>
+  </p:cSld>
+  <p:clrMapOvr>
+    <a:masterClrMapping/>
+  </p:clrMapOvr>
+</p:notes>
+</file>
+
+<file path=ppt/notesSlides/notesSlide3.xml><?xml version="1.0" encoding="utf-8"?>
+<p:notes xmlns:a="http://schemas.openxmlformats.org/drawingml/2006/main" xmlns:r="http://schemas.openxmlformats.org/officeDocument/2006/relationships" xmlns:p="http://schemas.openxmlformats.org/presentationml/2006/main">
+  <p:cSld>
+    <p:spTree>
+      <p:nvGrpSpPr>
+        <p:cNvPr id="1" name=""/>
+        <p:cNvGrpSpPr/>
+        <p:nvPr/>
+      </p:nvGrpSpPr>
+      <p:grpSpPr>
+        <a:xfrm>
+          <a:off x="0" y="0"/>
+          <a:ext cx="0" cy="0"/>
+          <a:chOff x="0" y="0"/>
+          <a:chExt cx="0" cy="0"/>
+        </a:xfrm>
+      </p:grpSpPr>
+      <p:sp>
+        <p:nvSpPr>
+          <p:cNvPr id="2" name="投影片圖像版面配置區 1"/>
+          <p:cNvSpPr>
+            <a:spLocks noGrp="1" noRot="1" noChangeAspect="1"/>
+          </p:cNvSpPr>
+          <p:nvPr>
+            <p:ph type="sldImg"/>
+          </p:nvPr>
+        </p:nvSpPr>
+        <p:spPr/>
+      </p:sp>
+      <p:sp>
+        <p:nvSpPr>
+          <p:cNvPr id="3" name="備忘稿版面配置區 2"/>
+          <p:cNvSpPr>
+            <a:spLocks noGrp="1"/>
+          </p:cNvSpPr>
+          <p:nvPr>
+            <p:ph type="body" idx="1"/>
+          </p:nvPr>
+        </p:nvSpPr>
+        <p:spPr/>
+        <p:txBody>
+          <a:bodyPr/>
+          <a:lstStyle/>
+          <a:p>
+            <a:r>
+              <a:rPr lang="en-US" altLang="zh-TW" dirty="0"/>
+              <a:t>[2 8]</a:t>
+            </a:r>
+            <a:endParaRPr lang="zh-TW" altLang="en-US" dirty="0"/>
+          </a:p>
+        </p:txBody>
+      </p:sp>
+      <p:sp>
+        <p:nvSpPr>
+          <p:cNvPr id="4" name="投影片編號版面配置區 3"/>
+          <p:cNvSpPr>
+            <a:spLocks noGrp="1"/>
+          </p:cNvSpPr>
+          <p:nvPr>
+            <p:ph type="sldNum" sz="quarter" idx="10"/>
+          </p:nvPr>
+        </p:nvSpPr>
+        <p:spPr/>
+        <p:txBody>
+          <a:bodyPr/>
+          <a:lstStyle/>
+          <a:p>
+            <a:fld id="{31EB6D90-10E6-4D93-BC0D-4D3BFEAA5F7B}" type="slidenum">
+              <a:rPr lang="zh-TW" altLang="en-US" smtClean="0"/>
               <a:t>8</a:t>
             </a:fld>
             <a:endParaRPr lang="zh-TW" altLang="en-US"/>
@@ -958,7 +1182,7 @@
 </p:notes>
 </file>
 
-<file path=ppt/notesSlides/notesSlide3.xml><?xml version="1.0" encoding="utf-8"?>
+<file path=ppt/notesSlides/notesSlide4.xml><?xml version="1.0" encoding="utf-8"?>
 <p:notes xmlns:a="http://schemas.openxmlformats.org/drawingml/2006/main" xmlns:r="http://schemas.openxmlformats.org/officeDocument/2006/relationships" xmlns:p="http://schemas.openxmlformats.org/presentationml/2006/main">
   <p:cSld>
     <p:spTree>
@@ -1050,7 +1274,7 @@
 </p:notes>
 </file>
 
-<file path=ppt/notesSlides/notesSlide4.xml><?xml version="1.0" encoding="utf-8"?>
+<file path=ppt/notesSlides/notesSlide5.xml><?xml version="1.0" encoding="utf-8"?>
 <p:notes xmlns:a="http://schemas.openxmlformats.org/drawingml/2006/main" xmlns:r="http://schemas.openxmlformats.org/officeDocument/2006/relationships" xmlns:p="http://schemas.openxmlformats.org/presentationml/2006/main">
   <p:cSld>
     <p:spTree>
@@ -1161,7 +1385,7 @@
 </p:notes>
 </file>
 
-<file path=ppt/notesSlides/notesSlide5.xml><?xml version="1.0" encoding="utf-8"?>
+<file path=ppt/notesSlides/notesSlide6.xml><?xml version="1.0" encoding="utf-8"?>
 <p:notes xmlns:a="http://schemas.openxmlformats.org/drawingml/2006/main" xmlns:r="http://schemas.openxmlformats.org/officeDocument/2006/relationships" xmlns:p="http://schemas.openxmlformats.org/presentationml/2006/main">
   <p:cSld>
     <p:spTree>
@@ -1272,7 +1496,7 @@
 </p:notes>
 </file>
 
-<file path=ppt/notesSlides/notesSlide6.xml><?xml version="1.0" encoding="utf-8"?>
+<file path=ppt/notesSlides/notesSlide7.xml><?xml version="1.0" encoding="utf-8"?>
 <p:notes xmlns:a="http://schemas.openxmlformats.org/drawingml/2006/main" xmlns:r="http://schemas.openxmlformats.org/officeDocument/2006/relationships" xmlns:p="http://schemas.openxmlformats.org/presentationml/2006/main">
   <p:cSld>
     <p:spTree>
@@ -1422,7 +1646,7 @@
 </p:notes>
 </file>
 
-<file path=ppt/notesSlides/notesSlide7.xml><?xml version="1.0" encoding="utf-8"?>
+<file path=ppt/notesSlides/notesSlide8.xml><?xml version="1.0" encoding="utf-8"?>
 <p:notes xmlns:a="http://schemas.openxmlformats.org/drawingml/2006/main" xmlns:r="http://schemas.openxmlformats.org/officeDocument/2006/relationships" xmlns:p="http://schemas.openxmlformats.org/presentationml/2006/main">
   <p:cSld>
     <p:spTree>
@@ -1647,7 +1871,7 @@
 </p:notes>
 </file>
 
-<file path=ppt/notesSlides/notesSlide8.xml><?xml version="1.0" encoding="utf-8"?>
+<file path=ppt/notesSlides/notesSlide9.xml><?xml version="1.0" encoding="utf-8"?>
 <p:notes xmlns:a="http://schemas.openxmlformats.org/drawingml/2006/main" xmlns:r="http://schemas.openxmlformats.org/officeDocument/2006/relationships" xmlns:p="http://schemas.openxmlformats.org/presentationml/2006/main">
   <p:cSld>
     <p:spTree>
@@ -1749,114 +1973,6 @@
     <p:extLst>
       <p:ext uri="{BB962C8B-B14F-4D97-AF65-F5344CB8AC3E}">
         <p14:creationId xmlns:p14="http://schemas.microsoft.com/office/powerpoint/2010/main" val="2519940161"/>
-      </p:ext>
-    </p:extLst>
-  </p:cSld>
-  <p:clrMapOvr>
-    <a:masterClrMapping/>
-  </p:clrMapOvr>
-</p:notes>
-</file>
-
-<file path=ppt/notesSlides/notesSlide9.xml><?xml version="1.0" encoding="utf-8"?>
-<p:notes xmlns:a="http://schemas.openxmlformats.org/drawingml/2006/main" xmlns:r="http://schemas.openxmlformats.org/officeDocument/2006/relationships" xmlns:p="http://schemas.openxmlformats.org/presentationml/2006/main">
-  <p:cSld>
-    <p:spTree>
-      <p:nvGrpSpPr>
-        <p:cNvPr id="1" name=""/>
-        <p:cNvGrpSpPr/>
-        <p:nvPr/>
-      </p:nvGrpSpPr>
-      <p:grpSpPr>
-        <a:xfrm>
-          <a:off x="0" y="0"/>
-          <a:ext cx="0" cy="0"/>
-          <a:chOff x="0" y="0"/>
-          <a:chExt cx="0" cy="0"/>
-        </a:xfrm>
-      </p:grpSpPr>
-      <p:sp>
-        <p:nvSpPr>
-          <p:cNvPr id="2" name="投影片圖像版面配置區 1"/>
-          <p:cNvSpPr>
-            <a:spLocks noGrp="1" noRot="1" noChangeAspect="1"/>
-          </p:cNvSpPr>
-          <p:nvPr>
-            <p:ph type="sldImg"/>
-          </p:nvPr>
-        </p:nvSpPr>
-        <p:spPr/>
-      </p:sp>
-      <p:sp>
-        <p:nvSpPr>
-          <p:cNvPr id="3" name="備忘稿版面配置區 2"/>
-          <p:cNvSpPr>
-            <a:spLocks noGrp="1"/>
-          </p:cNvSpPr>
-          <p:nvPr>
-            <p:ph type="body" idx="1"/>
-          </p:nvPr>
-        </p:nvSpPr>
-        <p:spPr/>
-        <p:txBody>
-          <a:bodyPr/>
-          <a:lstStyle/>
-          <a:p>
-            <a:pPr marL="0" marR="0" indent="0" algn="l" defTabSz="914400" rtl="0" eaLnBrk="1" fontAlgn="auto" latinLnBrk="0" hangingPunct="1">
-              <a:lnSpc>
-                <a:spcPct val="100000"/>
-              </a:lnSpc>
-              <a:spcBef>
-                <a:spcPts val="0"/>
-              </a:spcBef>
-              <a:spcAft>
-                <a:spcPts val="0"/>
-              </a:spcAft>
-              <a:buClrTx/>
-              <a:buSzTx/>
-              <a:buFontTx/>
-              <a:buNone/>
-              <a:tabLst/>
-              <a:defRPr/>
-            </a:pPr>
-            <a:r>
-              <a:rPr lang="en-US" altLang="zh-TW" dirty="0"/>
-              <a:t>Infinite many solutions</a:t>
-            </a:r>
-            <a:endParaRPr lang="zh-TW" altLang="en-US" dirty="0"/>
-          </a:p>
-          <a:p>
-            <a:endParaRPr lang="zh-TW" altLang="en-US" dirty="0"/>
-          </a:p>
-        </p:txBody>
-      </p:sp>
-      <p:sp>
-        <p:nvSpPr>
-          <p:cNvPr id="4" name="投影片編號版面配置區 3"/>
-          <p:cNvSpPr>
-            <a:spLocks noGrp="1"/>
-          </p:cNvSpPr>
-          <p:nvPr>
-            <p:ph type="sldNum" sz="quarter" idx="10"/>
-          </p:nvPr>
-        </p:nvSpPr>
-        <p:spPr/>
-        <p:txBody>
-          <a:bodyPr/>
-          <a:lstStyle/>
-          <a:p>
-            <a:fld id="{FB7D3D4E-D740-4383-8A3D-1ECF51F5058F}" type="slidenum">
-              <a:rPr lang="zh-TW" altLang="en-US" smtClean="0"/>
-              <a:t>16</a:t>
-            </a:fld>
-            <a:endParaRPr lang="zh-TW" altLang="en-US"/>
-          </a:p>
-        </p:txBody>
-      </p:sp>
-    </p:spTree>
-    <p:extLst>
-      <p:ext uri="{BB962C8B-B14F-4D97-AF65-F5344CB8AC3E}">
-        <p14:creationId xmlns:p14="http://schemas.microsoft.com/office/powerpoint/2010/main" val="2450026117"/>
       </p:ext>
     </p:extLst>
   </p:cSld>
@@ -1997,7 +2113,7 @@
           <a:p>
             <a:fld id="{744E70D0-F838-4032-B4EB-28E1EE7647B1}" type="datetimeFigureOut">
               <a:rPr lang="zh-TW" altLang="en-US" smtClean="0"/>
-              <a:t>2018/9/14</a:t>
+              <a:t>2019/7/15</a:t>
             </a:fld>
             <a:endParaRPr lang="zh-TW" altLang="en-US"/>
           </a:p>
@@ -2167,7 +2283,7 @@
           <a:p>
             <a:fld id="{744E70D0-F838-4032-B4EB-28E1EE7647B1}" type="datetimeFigureOut">
               <a:rPr lang="zh-TW" altLang="en-US" smtClean="0"/>
-              <a:t>2018/9/14</a:t>
+              <a:t>2019/7/15</a:t>
             </a:fld>
             <a:endParaRPr lang="zh-TW" altLang="en-US"/>
           </a:p>
@@ -2347,7 +2463,7 @@
           <a:p>
             <a:fld id="{744E70D0-F838-4032-B4EB-28E1EE7647B1}" type="datetimeFigureOut">
               <a:rPr lang="zh-TW" altLang="en-US" smtClean="0"/>
-              <a:t>2018/9/14</a:t>
+              <a:t>2019/7/15</a:t>
             </a:fld>
             <a:endParaRPr lang="zh-TW" altLang="en-US"/>
           </a:p>
@@ -2517,7 +2633,7 @@
           <a:p>
             <a:fld id="{744E70D0-F838-4032-B4EB-28E1EE7647B1}" type="datetimeFigureOut">
               <a:rPr lang="zh-TW" altLang="en-US" smtClean="0"/>
-              <a:t>2018/9/14</a:t>
+              <a:t>2019/7/15</a:t>
             </a:fld>
             <a:endParaRPr lang="zh-TW" altLang="en-US"/>
           </a:p>
@@ -2761,7 +2877,7 @@
           <a:p>
             <a:fld id="{744E70D0-F838-4032-B4EB-28E1EE7647B1}" type="datetimeFigureOut">
               <a:rPr lang="zh-TW" altLang="en-US" smtClean="0"/>
-              <a:t>2018/9/14</a:t>
+              <a:t>2019/7/15</a:t>
             </a:fld>
             <a:endParaRPr lang="zh-TW" altLang="en-US"/>
           </a:p>
@@ -2993,7 +3109,7 @@
           <a:p>
             <a:fld id="{744E70D0-F838-4032-B4EB-28E1EE7647B1}" type="datetimeFigureOut">
               <a:rPr lang="zh-TW" altLang="en-US" smtClean="0"/>
-              <a:t>2018/9/14</a:t>
+              <a:t>2019/7/15</a:t>
             </a:fld>
             <a:endParaRPr lang="zh-TW" altLang="en-US"/>
           </a:p>
@@ -3360,7 +3476,7 @@
           <a:p>
             <a:fld id="{744E70D0-F838-4032-B4EB-28E1EE7647B1}" type="datetimeFigureOut">
               <a:rPr lang="zh-TW" altLang="en-US" smtClean="0"/>
-              <a:t>2018/9/14</a:t>
+              <a:t>2019/7/15</a:t>
             </a:fld>
             <a:endParaRPr lang="zh-TW" altLang="en-US"/>
           </a:p>
@@ -3478,7 +3594,7 @@
           <a:p>
             <a:fld id="{744E70D0-F838-4032-B4EB-28E1EE7647B1}" type="datetimeFigureOut">
               <a:rPr lang="zh-TW" altLang="en-US" smtClean="0"/>
-              <a:t>2018/9/14</a:t>
+              <a:t>2019/7/15</a:t>
             </a:fld>
             <a:endParaRPr lang="zh-TW" altLang="en-US"/>
           </a:p>
@@ -3573,7 +3689,7 @@
           <a:p>
             <a:fld id="{744E70D0-F838-4032-B4EB-28E1EE7647B1}" type="datetimeFigureOut">
               <a:rPr lang="zh-TW" altLang="en-US" smtClean="0"/>
-              <a:t>2018/9/14</a:t>
+              <a:t>2019/7/15</a:t>
             </a:fld>
             <a:endParaRPr lang="zh-TW" altLang="en-US"/>
           </a:p>
@@ -3850,7 +3966,7 @@
           <a:p>
             <a:fld id="{744E70D0-F838-4032-B4EB-28E1EE7647B1}" type="datetimeFigureOut">
               <a:rPr lang="zh-TW" altLang="en-US" smtClean="0"/>
-              <a:t>2018/9/14</a:t>
+              <a:t>2019/7/15</a:t>
             </a:fld>
             <a:endParaRPr lang="zh-TW" altLang="en-US"/>
           </a:p>
@@ -4107,7 +4223,7 @@
           <a:p>
             <a:fld id="{744E70D0-F838-4032-B4EB-28E1EE7647B1}" type="datetimeFigureOut">
               <a:rPr lang="zh-TW" altLang="en-US" smtClean="0"/>
-              <a:t>2018/9/14</a:t>
+              <a:t>2019/7/15</a:t>
             </a:fld>
             <a:endParaRPr lang="zh-TW" altLang="en-US"/>
           </a:p>
@@ -4320,7 +4436,7 @@
           <a:p>
             <a:fld id="{744E70D0-F838-4032-B4EB-28E1EE7647B1}" type="datetimeFigureOut">
               <a:rPr lang="zh-TW" altLang="en-US" smtClean="0"/>
-              <a:t>2018/9/14</a:t>
+              <a:t>2019/7/15</a:t>
             </a:fld>
             <a:endParaRPr lang="zh-TW" altLang="en-US"/>
           </a:p>
@@ -22654,7 +22770,7 @@
           </p:nvPr>
         </p:nvPicPr>
         <p:blipFill>
-          <a:blip r:embed="rId4" cstate="print">
+          <a:blip r:embed="rId5" cstate="print">
             <a:extLst>
               <a:ext uri="{28A0092B-C50C-407E-A947-70E740481C1C}">
                 <a14:useLocalDpi xmlns:a14="http://schemas.microsoft.com/office/drawing/2010/main" val="0"/>
@@ -22753,7 +22869,7 @@
             </p:nvPr>
           </p:nvPicPr>
           <p:blipFill>
-            <a:blip r:embed="rId5" cstate="print">
+            <a:blip r:embed="rId6" cstate="print">
               <a:extLst>
                 <a:ext uri="{28A0092B-C50C-407E-A947-70E740481C1C}">
                   <a14:useLocalDpi xmlns:a14="http://schemas.microsoft.com/office/drawing/2010/main" val="0"/>
@@ -26277,12 +26393,12 @@
           <a:effectLst/>
           <a:extLst>
             <a:ext uri="{909E8E84-426E-40dd-AFC4-6F175D3DCCD1}">
-              <a14:hiddenFill xmlns="" xmlns:a14="http://schemas.microsoft.com/office/drawing/2010/main">
+              <a14:hiddenFill xmlns:a14="http://schemas.microsoft.com/office/drawing/2010/main" xmlns="">
                 <a:noFill/>
               </a14:hiddenFill>
             </a:ext>
             <a:ext uri="{AF507438-7753-43e0-B8FC-AC1667EBCBE1}">
-              <a14:hiddenEffects xmlns="" xmlns:a14="http://schemas.microsoft.com/office/drawing/2010/main">
+              <a14:hiddenEffects xmlns:a14="http://schemas.microsoft.com/office/drawing/2010/main" xmlns="">
                 <a:effectLst>
                   <a:outerShdw dist="35921" dir="2700000" algn="ctr" rotWithShape="0">
                     <a:schemeClr val="bg2"/>
@@ -26328,12 +26444,12 @@
           <a:effectLst/>
           <a:extLst>
             <a:ext uri="{909E8E84-426E-40dd-AFC4-6F175D3DCCD1}">
-              <a14:hiddenFill xmlns="" xmlns:a14="http://schemas.microsoft.com/office/drawing/2010/main">
+              <a14:hiddenFill xmlns:a14="http://schemas.microsoft.com/office/drawing/2010/main" xmlns="">
                 <a:noFill/>
               </a14:hiddenFill>
             </a:ext>
             <a:ext uri="{AF507438-7753-43e0-B8FC-AC1667EBCBE1}">
-              <a14:hiddenEffects xmlns="" xmlns:a14="http://schemas.microsoft.com/office/drawing/2010/main">
+              <a14:hiddenEffects xmlns:a14="http://schemas.microsoft.com/office/drawing/2010/main" xmlns="">
                 <a:effectLst>
                   <a:outerShdw dist="35921" dir="2700000" algn="ctr" rotWithShape="0">
                     <a:schemeClr val="bg2"/>
@@ -26374,14 +26490,14 @@
           <a:effectLst/>
           <a:extLst>
             <a:ext uri="{909E8E84-426E-40dd-AFC4-6F175D3DCCD1}">
-              <a14:hiddenFill xmlns="" xmlns:a14="http://schemas.microsoft.com/office/drawing/2010/main">
+              <a14:hiddenFill xmlns:a14="http://schemas.microsoft.com/office/drawing/2010/main" xmlns="">
                 <a:solidFill>
                   <a:schemeClr val="accent1"/>
                 </a:solidFill>
               </a14:hiddenFill>
             </a:ext>
             <a:ext uri="{91240B29-F687-4f45-9708-019B960494DF}">
-              <a14:hiddenLine xmlns="" xmlns:a14="http://schemas.microsoft.com/office/drawing/2010/main" w="9525">
+              <a14:hiddenLine xmlns:a14="http://schemas.microsoft.com/office/drawing/2010/main" xmlns="" w="9525">
                 <a:solidFill>
                   <a:schemeClr val="tx1"/>
                 </a:solidFill>
@@ -26391,7 +26507,7 @@
               </a14:hiddenLine>
             </a:ext>
             <a:ext uri="{AF507438-7753-43e0-B8FC-AC1667EBCBE1}">
-              <a14:hiddenEffects xmlns="" xmlns:a14="http://schemas.microsoft.com/office/drawing/2010/main">
+              <a14:hiddenEffects xmlns:a14="http://schemas.microsoft.com/office/drawing/2010/main" xmlns="">
                 <a:effectLst>
                   <a:outerShdw dist="35921" dir="2700000" algn="ctr" rotWithShape="0">
                     <a:schemeClr val="bg2"/>
@@ -37332,14 +37448,14 @@
             <a:effectLst/>
             <a:extLst>
               <a:ext uri="{909E8E84-426E-40dd-AFC4-6F175D3DCCD1}">
-                <a14:hiddenFill xmlns="" xmlns:a14="http://schemas.microsoft.com/office/drawing/2010/main">
+                <a14:hiddenFill xmlns:a14="http://schemas.microsoft.com/office/drawing/2010/main" xmlns="">
                   <a:solidFill>
                     <a:schemeClr val="accent1"/>
                   </a:solidFill>
                 </a14:hiddenFill>
               </a:ext>
               <a:ext uri="{91240B29-F687-4f45-9708-019B960494DF}">
-                <a14:hiddenLine xmlns="" xmlns:a14="http://schemas.microsoft.com/office/drawing/2010/main" w="9525">
+                <a14:hiddenLine xmlns:a14="http://schemas.microsoft.com/office/drawing/2010/main" xmlns="" w="9525">
                   <a:solidFill>
                     <a:schemeClr val="tx1"/>
                   </a:solidFill>
@@ -37349,7 +37465,7 @@
                 </a14:hiddenLine>
               </a:ext>
               <a:ext uri="{AF507438-7753-43e0-B8FC-AC1667EBCBE1}">
-                <a14:hiddenEffects xmlns="" xmlns:a14="http://schemas.microsoft.com/office/drawing/2010/main">
+                <a14:hiddenEffects xmlns:a14="http://schemas.microsoft.com/office/drawing/2010/main" xmlns="">
                   <a:effectLst>
                     <a:outerShdw dist="35921" dir="2700000" algn="ctr" rotWithShape="0">
                       <a:schemeClr val="bg2"/>
@@ -37719,14 +37835,14 @@
             <a:effectLst/>
             <a:extLst>
               <a:ext uri="{909E8E84-426E-40dd-AFC4-6F175D3DCCD1}">
-                <a14:hiddenFill xmlns="" xmlns:a14="http://schemas.microsoft.com/office/drawing/2010/main">
+                <a14:hiddenFill xmlns:a14="http://schemas.microsoft.com/office/drawing/2010/main" xmlns="">
                   <a:solidFill>
                     <a:schemeClr val="accent1"/>
                   </a:solidFill>
                 </a14:hiddenFill>
               </a:ext>
               <a:ext uri="{91240B29-F687-4f45-9708-019B960494DF}">
-                <a14:hiddenLine xmlns="" xmlns:a14="http://schemas.microsoft.com/office/drawing/2010/main" w="9525">
+                <a14:hiddenLine xmlns:a14="http://schemas.microsoft.com/office/drawing/2010/main" xmlns="" w="9525">
                   <a:solidFill>
                     <a:schemeClr val="tx1"/>
                   </a:solidFill>
@@ -37736,7 +37852,7 @@
                 </a14:hiddenLine>
               </a:ext>
               <a:ext uri="{AF507438-7753-43e0-B8FC-AC1667EBCBE1}">
-                <a14:hiddenEffects xmlns="" xmlns:a14="http://schemas.microsoft.com/office/drawing/2010/main">
+                <a14:hiddenEffects xmlns:a14="http://schemas.microsoft.com/office/drawing/2010/main" xmlns="">
                   <a:effectLst>
                     <a:outerShdw dist="35921" dir="2700000" algn="ctr" rotWithShape="0">
                       <a:schemeClr val="bg2"/>
@@ -38106,14 +38222,14 @@
             <a:effectLst/>
             <a:extLst>
               <a:ext uri="{909E8E84-426E-40dd-AFC4-6F175D3DCCD1}">
-                <a14:hiddenFill xmlns="" xmlns:a14="http://schemas.microsoft.com/office/drawing/2010/main">
+                <a14:hiddenFill xmlns:a14="http://schemas.microsoft.com/office/drawing/2010/main" xmlns="">
                   <a:solidFill>
                     <a:schemeClr val="accent1"/>
                   </a:solidFill>
                 </a14:hiddenFill>
               </a:ext>
               <a:ext uri="{91240B29-F687-4f45-9708-019B960494DF}">
-                <a14:hiddenLine xmlns="" xmlns:a14="http://schemas.microsoft.com/office/drawing/2010/main" w="9525">
+                <a14:hiddenLine xmlns:a14="http://schemas.microsoft.com/office/drawing/2010/main" xmlns="" w="9525">
                   <a:solidFill>
                     <a:schemeClr val="tx1"/>
                   </a:solidFill>
@@ -38123,7 +38239,7 @@
                 </a14:hiddenLine>
               </a:ext>
               <a:ext uri="{AF507438-7753-43e0-B8FC-AC1667EBCBE1}">
-                <a14:hiddenEffects xmlns="" xmlns:a14="http://schemas.microsoft.com/office/drawing/2010/main">
+                <a14:hiddenEffects xmlns:a14="http://schemas.microsoft.com/office/drawing/2010/main" xmlns="">
                   <a:effectLst>
                     <a:outerShdw dist="35921" dir="2700000" algn="ctr" rotWithShape="0">
                       <a:schemeClr val="bg2"/>
@@ -39762,14 +39878,14 @@
           <a:effectLst/>
           <a:extLst>
             <a:ext uri="{909E8E84-426E-40dd-AFC4-6F175D3DCCD1}">
-              <a14:hiddenFill xmlns:a14="http://schemas.microsoft.com/office/drawing/2010/main" xmlns="">
+              <a14:hiddenFill xmlns="" xmlns:a14="http://schemas.microsoft.com/office/drawing/2010/main">
                 <a:solidFill>
                   <a:schemeClr val="accent1"/>
                 </a:solidFill>
               </a14:hiddenFill>
             </a:ext>
             <a:ext uri="{91240B29-F687-4f45-9708-019B960494DF}">
-              <a14:hiddenLine xmlns:a14="http://schemas.microsoft.com/office/drawing/2010/main" xmlns="" w="9525">
+              <a14:hiddenLine xmlns="" xmlns:a14="http://schemas.microsoft.com/office/drawing/2010/main" w="9525">
                 <a:solidFill>
                   <a:schemeClr val="tx1"/>
                 </a:solidFill>
@@ -39779,7 +39895,7 @@
               </a14:hiddenLine>
             </a:ext>
             <a:ext uri="{AF507438-7753-43e0-B8FC-AC1667EBCBE1}">
-              <a14:hiddenEffects xmlns:a14="http://schemas.microsoft.com/office/drawing/2010/main" xmlns="">
+              <a14:hiddenEffects xmlns="" xmlns:a14="http://schemas.microsoft.com/office/drawing/2010/main">
                 <a:effectLst>
                   <a:outerShdw dist="35921" dir="2700000" algn="ctr" rotWithShape="0">
                     <a:schemeClr val="bg2"/>
